--- a/ETL-Result.pptx
+++ b/ETL-Result.pptx
@@ -105,6 +105,11 @@
       </a:defRPr>
     </a:lvl9pPr>
   </p:defaultTextStyle>
+  <p:extLst>
+    <p:ext uri="{EFAFB233-063F-42B5-8137-9DF3F51BA10A}">
+      <p15:sldGuideLst xmlns:p15="http://schemas.microsoft.com/office/powerpoint/2012/main"/>
+    </p:ext>
+  </p:extLst>
 </p:presentation>
 </file>
 
@@ -118,6 +123,43 @@
     </p:extLst>
   </p:cmAuthor>
 </p:cmAuthorLst>
+</file>
+
+<file path=ppt/revisionInfo.xml><?xml version="1.0" encoding="utf-8"?>
+<p1510:revInfo xmlns:a="http://schemas.openxmlformats.org/drawingml/2006/main" xmlns:r="http://schemas.openxmlformats.org/officeDocument/2006/relationships" xmlns:p1510="http://schemas.microsoft.com/office/powerpoint/2015/10/main">
+  <p1510:revLst>
+    <p1510:client id="{D7A85BF5-7A14-4857-A1DE-23EAF8DCE672}" v="1" dt="2020-12-11T03:50:28.114"/>
+  </p1510:revLst>
+</p1510:revInfo>
+</file>
+
+<file path=ppt/changesInfos/changesInfo1.xml><?xml version="1.0" encoding="utf-8"?>
+<pc:chgInfo xmlns:a="http://schemas.openxmlformats.org/drawingml/2006/main" xmlns:r="http://schemas.openxmlformats.org/officeDocument/2006/relationships" xmlns:ac="http://schemas.microsoft.com/office/drawing/2013/main/command" xmlns:pc="http://schemas.microsoft.com/office/powerpoint/2013/main/command">
+  <pc:docChgLst>
+    <pc:chgData name="Danii Romo" userId="10b78df49610666b" providerId="LiveId" clId="{D7A85BF5-7A14-4857-A1DE-23EAF8DCE672}"/>
+    <pc:docChg chg="modSld">
+      <pc:chgData name="Danii Romo" userId="10b78df49610666b" providerId="LiveId" clId="{D7A85BF5-7A14-4857-A1DE-23EAF8DCE672}" dt="2020-12-11T03:52:50.007" v="37" actId="1076"/>
+      <pc:docMkLst>
+        <pc:docMk/>
+      </pc:docMkLst>
+      <pc:sldChg chg="addSp modSp mod">
+        <pc:chgData name="Danii Romo" userId="10b78df49610666b" providerId="LiveId" clId="{D7A85BF5-7A14-4857-A1DE-23EAF8DCE672}" dt="2020-12-11T03:52:50.007" v="37" actId="1076"/>
+        <pc:sldMkLst>
+          <pc:docMk/>
+          <pc:sldMk cId="4104205626" sldId="256"/>
+        </pc:sldMkLst>
+        <pc:spChg chg="add mod">
+          <ac:chgData name="Danii Romo" userId="10b78df49610666b" providerId="LiveId" clId="{D7A85BF5-7A14-4857-A1DE-23EAF8DCE672}" dt="2020-12-11T03:52:50.007" v="37" actId="1076"/>
+          <ac:spMkLst>
+            <pc:docMk/>
+            <pc:sldMk cId="4104205626" sldId="256"/>
+            <ac:spMk id="2" creationId="{B990A43B-68B1-4A3A-BB80-3CF180B43DE5}"/>
+          </ac:spMkLst>
+        </pc:spChg>
+      </pc:sldChg>
+    </pc:docChg>
+  </pc:docChgLst>
+</pc:chgInfo>
 </file>
 
 <file path=ppt/slideLayouts/slideLayout1.xml><?xml version="1.0" encoding="utf-8"?>
@@ -259,7 +301,7 @@
           <a:p>
             <a:fld id="{76969C88-B244-455D-A017-012B25B1ACDD}" type="datetimeFigureOut">
               <a:rPr lang="en-US" smtClean="0"/>
-              <a:t>12/10/20</a:t>
+              <a:t>12/10/2020</a:t>
             </a:fld>
             <a:endParaRPr lang="en-US"/>
           </a:p>
@@ -470,7 +512,7 @@
           <a:p>
             <a:fld id="{76969C88-B244-455D-A017-012B25B1ACDD}" type="datetimeFigureOut">
               <a:rPr lang="en-US" smtClean="0"/>
-              <a:t>12/10/20</a:t>
+              <a:t>12/10/2020</a:t>
             </a:fld>
             <a:endParaRPr lang="en-US"/>
           </a:p>
@@ -685,7 +727,7 @@
           <a:p>
             <a:fld id="{76969C88-B244-455D-A017-012B25B1ACDD}" type="datetimeFigureOut">
               <a:rPr lang="en-US" smtClean="0"/>
-              <a:t>12/10/20</a:t>
+              <a:t>12/10/2020</a:t>
             </a:fld>
             <a:endParaRPr lang="en-US"/>
           </a:p>
@@ -886,7 +928,7 @@
           <a:p>
             <a:fld id="{76969C88-B244-455D-A017-012B25B1ACDD}" type="datetimeFigureOut">
               <a:rPr lang="en-US" smtClean="0"/>
-              <a:t>12/10/20</a:t>
+              <a:t>12/10/2020</a:t>
             </a:fld>
             <a:endParaRPr lang="en-US"/>
           </a:p>
@@ -1165,7 +1207,7 @@
           <a:p>
             <a:fld id="{76969C88-B244-455D-A017-012B25B1ACDD}" type="datetimeFigureOut">
               <a:rPr lang="en-US" smtClean="0"/>
-              <a:t>12/10/20</a:t>
+              <a:t>12/10/2020</a:t>
             </a:fld>
             <a:endParaRPr lang="en-US"/>
           </a:p>
@@ -1433,7 +1475,7 @@
           <a:p>
             <a:fld id="{76969C88-B244-455D-A017-012B25B1ACDD}" type="datetimeFigureOut">
               <a:rPr lang="en-US" smtClean="0"/>
-              <a:t>12/10/20</a:t>
+              <a:t>12/10/2020</a:t>
             </a:fld>
             <a:endParaRPr lang="en-US"/>
           </a:p>
@@ -1849,7 +1891,7 @@
           <a:p>
             <a:fld id="{76969C88-B244-455D-A017-012B25B1ACDD}" type="datetimeFigureOut">
               <a:rPr lang="en-US" smtClean="0"/>
-              <a:t>12/10/20</a:t>
+              <a:t>12/10/2020</a:t>
             </a:fld>
             <a:endParaRPr lang="en-US"/>
           </a:p>
@@ -1998,7 +2040,7 @@
           <a:p>
             <a:fld id="{76969C88-B244-455D-A017-012B25B1ACDD}" type="datetimeFigureOut">
               <a:rPr lang="en-US" smtClean="0"/>
-              <a:t>12/10/20</a:t>
+              <a:t>12/10/2020</a:t>
             </a:fld>
             <a:endParaRPr lang="en-US"/>
           </a:p>
@@ -2124,7 +2166,7 @@
           <a:p>
             <a:fld id="{76969C88-B244-455D-A017-012B25B1ACDD}" type="datetimeFigureOut">
               <a:rPr lang="en-US" smtClean="0"/>
-              <a:t>12/10/20</a:t>
+              <a:t>12/10/2020</a:t>
             </a:fld>
             <a:endParaRPr lang="en-US"/>
           </a:p>
@@ -2375,7 +2417,7 @@
           <a:p>
             <a:fld id="{76969C88-B244-455D-A017-012B25B1ACDD}" type="datetimeFigureOut">
               <a:rPr lang="en-US" smtClean="0"/>
-              <a:t>12/10/20</a:t>
+              <a:t>12/10/2020</a:t>
             </a:fld>
             <a:endParaRPr lang="en-US"/>
           </a:p>
@@ -2820,7 +2862,7 @@
           <a:p>
             <a:fld id="{76969C88-B244-455D-A017-012B25B1ACDD}" type="datetimeFigureOut">
               <a:rPr lang="en-US" smtClean="0"/>
-              <a:t>12/10/20</a:t>
+              <a:t>12/10/2020</a:t>
             </a:fld>
             <a:endParaRPr lang="en-US"/>
           </a:p>
@@ -3151,7 +3193,7 @@
             <a:fld id="{76969C88-B244-455D-A017-012B25B1ACDD}" type="datetimeFigureOut">
               <a:rPr lang="en-US" smtClean="0"/>
               <a:pPr/>
-              <a:t>12/10/20</a:t>
+              <a:t>12/10/2020</a:t>
             </a:fld>
             <a:endParaRPr lang="en-US"/>
           </a:p>
@@ -3746,6 +3788,168 @@
           </a:p>
         </p:txBody>
       </p:sp>
+      <p:sp>
+        <p:nvSpPr>
+          <p:cNvPr id="2" name="TextBox 1">
+            <a:extLst>
+              <a:ext uri="{FF2B5EF4-FFF2-40B4-BE49-F238E27FC236}">
+                <a16:creationId xmlns:a16="http://schemas.microsoft.com/office/drawing/2014/main" id="{B990A43B-68B1-4A3A-BB80-3CF180B43DE5}"/>
+              </a:ext>
+            </a:extLst>
+          </p:cNvPr>
+          <p:cNvSpPr txBox="1"/>
+          <p:nvPr/>
+        </p:nvSpPr>
+        <p:spPr>
+          <a:xfrm>
+            <a:off x="5876924" y="4094092"/>
+            <a:ext cx="6200775" cy="2031325"/>
+          </a:xfrm>
+          <a:prstGeom prst="rect">
+            <a:avLst/>
+          </a:prstGeom>
+          <a:solidFill>
+            <a:srgbClr val="961937"/>
+          </a:solidFill>
+        </p:spPr>
+        <p:txBody>
+          <a:bodyPr wrap="square" rtlCol="0">
+            <a:spAutoFit/>
+          </a:bodyPr>
+          <a:lstStyle/>
+          <a:p>
+            <a:pPr algn="r"/>
+            <a:r>
+              <a:rPr lang="en-US" sz="2800" b="1" dirty="0">
+                <a:solidFill>
+                  <a:srgbClr val="D4D4D4"/>
+                </a:solidFill>
+                <a:effectLst/>
+                <a:latin typeface="Consolas" panose="020B0609020204030204" pitchFamily="49" charset="0"/>
+              </a:rPr>
+              <a:t>Bootcamp Sep-2020 - March 2021</a:t>
+            </a:r>
+          </a:p>
+          <a:p>
+            <a:pPr algn="r"/>
+            <a:br>
+              <a:rPr lang="en-US" sz="1400" b="1" dirty="0">
+                <a:solidFill>
+                  <a:srgbClr val="D4D4D4"/>
+                </a:solidFill>
+                <a:effectLst/>
+                <a:latin typeface="Consolas" panose="020B0609020204030204" pitchFamily="49" charset="0"/>
+              </a:rPr>
+            </a:br>
+            <a:r>
+              <a:rPr lang="en-US" sz="1400" b="1" dirty="0">
+                <a:solidFill>
+                  <a:srgbClr val="D4D4D4"/>
+                </a:solidFill>
+                <a:effectLst/>
+                <a:latin typeface="Consolas" panose="020B0609020204030204" pitchFamily="49" charset="0"/>
+              </a:rPr>
+              <a:t>Team Members:</a:t>
+            </a:r>
+          </a:p>
+          <a:p>
+            <a:pPr algn="r"/>
+            <a:endParaRPr lang="en-US" sz="1400" b="1" dirty="0">
+              <a:solidFill>
+                <a:srgbClr val="D4D4D4"/>
+              </a:solidFill>
+              <a:effectLst/>
+              <a:latin typeface="Consolas" panose="020B0609020204030204" pitchFamily="49" charset="0"/>
+            </a:endParaRPr>
+          </a:p>
+          <a:p>
+            <a:pPr algn="r"/>
+            <a:r>
+              <a:rPr lang="en-US" sz="1400" b="1" dirty="0">
+                <a:solidFill>
+                  <a:srgbClr val="D4D4D4"/>
+                </a:solidFill>
+                <a:effectLst/>
+                <a:latin typeface="Consolas" panose="020B0609020204030204" pitchFamily="49" charset="0"/>
+              </a:rPr>
+              <a:t>Georgina Guzman </a:t>
+            </a:r>
+            <a:r>
+              <a:rPr lang="en-US" sz="1400" b="1" dirty="0" err="1">
+                <a:solidFill>
+                  <a:srgbClr val="D4D4D4"/>
+                </a:solidFill>
+                <a:effectLst/>
+                <a:latin typeface="Consolas" panose="020B0609020204030204" pitchFamily="49" charset="0"/>
+              </a:rPr>
+              <a:t>Rasillo</a:t>
+            </a:r>
+            <a:endParaRPr lang="en-US" sz="1400" b="1" dirty="0">
+              <a:solidFill>
+                <a:srgbClr val="D4D4D4"/>
+              </a:solidFill>
+              <a:effectLst/>
+              <a:latin typeface="Consolas" panose="020B0609020204030204" pitchFamily="49" charset="0"/>
+            </a:endParaRPr>
+          </a:p>
+          <a:p>
+            <a:pPr algn="r"/>
+            <a:r>
+              <a:rPr lang="en-US" sz="1400" b="1" dirty="0">
+                <a:solidFill>
+                  <a:srgbClr val="D4D4D4"/>
+                </a:solidFill>
+                <a:effectLst/>
+                <a:latin typeface="Consolas" panose="020B0609020204030204" pitchFamily="49" charset="0"/>
+              </a:rPr>
+              <a:t>Berenice Nares</a:t>
+            </a:r>
+          </a:p>
+          <a:p>
+            <a:pPr algn="r"/>
+            <a:r>
+              <a:rPr lang="en-US" sz="1400" b="1" dirty="0">
+                <a:solidFill>
+                  <a:srgbClr val="D4D4D4"/>
+                </a:solidFill>
+                <a:effectLst/>
+                <a:latin typeface="Consolas" panose="020B0609020204030204" pitchFamily="49" charset="0"/>
+              </a:rPr>
+              <a:t>Celina Barrera</a:t>
+            </a:r>
+          </a:p>
+          <a:p>
+            <a:pPr algn="r"/>
+            <a:r>
+              <a:rPr lang="en-US" sz="1400" b="1" dirty="0">
+                <a:solidFill>
+                  <a:srgbClr val="D4D4D4"/>
+                </a:solidFill>
+                <a:effectLst/>
+                <a:latin typeface="Consolas" panose="020B0609020204030204" pitchFamily="49" charset="0"/>
+              </a:rPr>
+              <a:t>Jesús Daniel Sánchez </a:t>
+            </a:r>
+            <a:r>
+              <a:rPr lang="en-US" sz="1400" b="1" dirty="0" err="1">
+                <a:solidFill>
+                  <a:srgbClr val="D4D4D4"/>
+                </a:solidFill>
+                <a:effectLst/>
+                <a:latin typeface="Consolas" panose="020B0609020204030204" pitchFamily="49" charset="0"/>
+              </a:rPr>
+              <a:t>Rómo</a:t>
+            </a:r>
+            <a:endParaRPr lang="en-US" sz="1400" b="1" dirty="0">
+              <a:solidFill>
+                <a:srgbClr val="D4D4D4"/>
+              </a:solidFill>
+              <a:effectLst/>
+              <a:latin typeface="Consolas" panose="020B0609020204030204" pitchFamily="49" charset="0"/>
+            </a:endParaRPr>
+          </a:p>
+        </p:txBody>
+      </p:sp>
     </p:spTree>
     <p:extLst>
       <p:ext uri="{BB962C8B-B14F-4D97-AF65-F5344CB8AC3E}">
